--- a/Project PPt.pptx
+++ b/Project PPt.pptx
@@ -585,7 +585,7 @@
           <a:p>
             <a:fld id="{EA0C0817-A112-4847-8014-A94B7D2A4EA3}" type="datetime1">
               <a:rPr lang="en-US" smtClean="0"/>
-              <a:t>1/29/2021</a:t>
+              <a:t>4/11/2021</a:t>
             </a:fld>
             <a:endParaRPr lang="en-US" dirty="0"/>
           </a:p>
@@ -787,7 +787,7 @@
           <a:p>
             <a:fld id="{134F40B7-36AB-4376-BE14-EF7004D79BB9}" type="datetime1">
               <a:rPr lang="en-US" smtClean="0"/>
-              <a:t>1/29/2021</a:t>
+              <a:t>4/11/2021</a:t>
             </a:fld>
             <a:endParaRPr lang="en-US"/>
           </a:p>
@@ -967,7 +967,7 @@
           <a:p>
             <a:fld id="{FF87CAB8-DCAE-46A5-AADA-B3FAD11A54E0}" type="datetime1">
               <a:rPr lang="en-US" smtClean="0"/>
-              <a:t>1/29/2021</a:t>
+              <a:t>4/11/2021</a:t>
             </a:fld>
             <a:endParaRPr lang="en-US"/>
           </a:p>
@@ -1137,7 +1137,7 @@
           <a:p>
             <a:fld id="{7332B432-ACDA-4023-A761-2BAB76577B62}" type="datetime1">
               <a:rPr lang="en-US" smtClean="0"/>
-              <a:t>1/29/2021</a:t>
+              <a:t>4/11/2021</a:t>
             </a:fld>
             <a:endParaRPr lang="en-US"/>
           </a:p>
@@ -1736,7 +1736,7 @@
           <a:p>
             <a:fld id="{D9C646AA-F36E-4540-911D-FFFC0A0EF24A}" type="datetime1">
               <a:rPr lang="en-US" smtClean="0"/>
-              <a:t>1/29/2021</a:t>
+              <a:t>4/11/2021</a:t>
             </a:fld>
             <a:endParaRPr lang="en-US" dirty="0"/>
           </a:p>
@@ -2056,7 +2056,7 @@
           <a:p>
             <a:fld id="{69186D26-FA5F-4637-B602-B7C2DC34CFD4}" type="datetime1">
               <a:rPr lang="en-US" smtClean="0"/>
-              <a:t>1/29/2021</a:t>
+              <a:t>4/11/2021</a:t>
             </a:fld>
             <a:endParaRPr lang="en-US"/>
           </a:p>
@@ -2491,7 +2491,7 @@
           <a:p>
             <a:fld id="{8A7F15D8-96D1-4781-BC50-CA8A088B2FE4}" type="datetime1">
               <a:rPr lang="en-US" smtClean="0"/>
-              <a:t>1/29/2021</a:t>
+              <a:t>4/11/2021</a:t>
             </a:fld>
             <a:endParaRPr lang="en-US"/>
           </a:p>
@@ -2609,7 +2609,7 @@
           <a:p>
             <a:fld id="{F9A96C99-B8F8-4528-BD05-0E16E943DC09}" type="datetime1">
               <a:rPr lang="en-US" smtClean="0"/>
-              <a:t>1/29/2021</a:t>
+              <a:t>4/11/2021</a:t>
             </a:fld>
             <a:endParaRPr lang="en-US"/>
           </a:p>
@@ -2704,7 +2704,7 @@
           <a:p>
             <a:fld id="{03636942-C211-4B28-8DBD-C953E00AF71B}" type="datetime1">
               <a:rPr lang="en-US" smtClean="0"/>
-              <a:t>1/29/2021</a:t>
+              <a:t>4/11/2021</a:t>
             </a:fld>
             <a:endParaRPr lang="en-US"/>
           </a:p>
@@ -3121,7 +3121,7 @@
           <a:p>
             <a:fld id="{7E8D12A6-918A-48BD-8CB9-CA713993B0EA}" type="datetime1">
               <a:rPr lang="en-US" smtClean="0"/>
-              <a:t>1/29/2021</a:t>
+              <a:t>4/11/2021</a:t>
             </a:fld>
             <a:endParaRPr lang="en-US"/>
           </a:p>
@@ -3383,7 +3383,7 @@
             <a:fld id="{E778CE86-875F-4587-BCF6-FA054AFC0D53}" type="datetime1">
               <a:rPr lang="en-US" smtClean="0"/>
               <a:pPr/>
-              <a:t>1/29/2021</a:t>
+              <a:t>4/11/2021</a:t>
             </a:fld>
             <a:endParaRPr lang="en-US" dirty="0"/>
           </a:p>
@@ -3899,7 +3899,7 @@
           <a:p>
             <a:fld id="{F6FA2B21-3FCD-4721-B95C-427943F61125}" type="datetime1">
               <a:rPr lang="en-US" smtClean="0"/>
-              <a:t>1/29/2021</a:t>
+              <a:t>4/11/2021</a:t>
             </a:fld>
             <a:endParaRPr lang="en-US"/>
           </a:p>
@@ -5374,19 +5374,36 @@
               <a:buAutoNum type="arabicPeriod"/>
             </a:pPr>
             <a:r>
+              <a:rPr lang="en-IN" dirty="0"/>
+              <a:t>LZW Encoding (Uses dictionaries)	[Couldn’t implement this </a:t>
+            </a:r>
+            <a:r>
+              <a:rPr lang="en-IN" dirty="0">
+                <a:sym typeface="Wingdings" panose="05000000000000000000" pitchFamily="2" charset="2"/>
+              </a:rPr>
+              <a:t></a:t>
+            </a:r>
+            <a:r>
+              <a:rPr lang="en-IN" dirty="0"/>
+              <a:t>]</a:t>
+            </a:r>
+          </a:p>
+          <a:p>
+            <a:r>
+              <a:rPr lang="en-IN" dirty="0"/>
+              <a:t>Program will be able to compress/decompress files, if user wants can give password while compression for security		[</a:t>
+            </a:r>
+            <a:r>
               <a:rPr lang="en-IN"/>
-              <a:t>LZW Encoding (Uses dictionaries)</a:t>
-            </a:r>
-          </a:p>
-          <a:p>
-            <a:r>
-              <a:rPr lang="en-IN"/>
-              <a:t>Program </a:t>
-            </a:r>
-            <a:r>
-              <a:rPr lang="en-IN" dirty="0"/>
-              <a:t>will be able to compress/decompress files, if user wants can give password while compression for security</a:t>
-            </a:r>
+              <a:t>Or this </a:t>
+            </a:r>
+            <a:r>
+              <a:rPr lang="en-IN">
+                <a:sym typeface="Wingdings" panose="05000000000000000000" pitchFamily="2" charset="2"/>
+              </a:rPr>
+              <a:t>]</a:t>
+            </a:r>
+            <a:endParaRPr lang="en-IN" dirty="0"/>
           </a:p>
           <a:p>
             <a:r>

--- a/Project PPt.pptx
+++ b/Project PPt.pptx
@@ -10,6 +10,7 @@
     <p:sldId id="258" r:id="rId4"/>
     <p:sldId id="259" r:id="rId5"/>
     <p:sldId id="260" r:id="rId6"/>
+    <p:sldId id="261" r:id="rId7"/>
   </p:sldIdLst>
   <p:sldSz cx="12192000" cy="6858000"/>
   <p:notesSz cx="6858000" cy="9144000"/>
@@ -585,7 +586,7 @@
           <a:p>
             <a:fld id="{EA0C0817-A112-4847-8014-A94B7D2A4EA3}" type="datetime1">
               <a:rPr lang="en-US" smtClean="0"/>
-              <a:t>4/11/2021</a:t>
+              <a:t>4/17/2021</a:t>
             </a:fld>
             <a:endParaRPr lang="en-US" dirty="0"/>
           </a:p>
@@ -787,7 +788,7 @@
           <a:p>
             <a:fld id="{134F40B7-36AB-4376-BE14-EF7004D79BB9}" type="datetime1">
               <a:rPr lang="en-US" smtClean="0"/>
-              <a:t>4/11/2021</a:t>
+              <a:t>4/17/2021</a:t>
             </a:fld>
             <a:endParaRPr lang="en-US"/>
           </a:p>
@@ -967,7 +968,7 @@
           <a:p>
             <a:fld id="{FF87CAB8-DCAE-46A5-AADA-B3FAD11A54E0}" type="datetime1">
               <a:rPr lang="en-US" smtClean="0"/>
-              <a:t>4/11/2021</a:t>
+              <a:t>4/17/2021</a:t>
             </a:fld>
             <a:endParaRPr lang="en-US"/>
           </a:p>
@@ -1137,7 +1138,7 @@
           <a:p>
             <a:fld id="{7332B432-ACDA-4023-A761-2BAB76577B62}" type="datetime1">
               <a:rPr lang="en-US" smtClean="0"/>
-              <a:t>4/11/2021</a:t>
+              <a:t>4/17/2021</a:t>
             </a:fld>
             <a:endParaRPr lang="en-US"/>
           </a:p>
@@ -1736,7 +1737,7 @@
           <a:p>
             <a:fld id="{D9C646AA-F36E-4540-911D-FFFC0A0EF24A}" type="datetime1">
               <a:rPr lang="en-US" smtClean="0"/>
-              <a:t>4/11/2021</a:t>
+              <a:t>4/17/2021</a:t>
             </a:fld>
             <a:endParaRPr lang="en-US" dirty="0"/>
           </a:p>
@@ -2056,7 +2057,7 @@
           <a:p>
             <a:fld id="{69186D26-FA5F-4637-B602-B7C2DC34CFD4}" type="datetime1">
               <a:rPr lang="en-US" smtClean="0"/>
-              <a:t>4/11/2021</a:t>
+              <a:t>4/17/2021</a:t>
             </a:fld>
             <a:endParaRPr lang="en-US"/>
           </a:p>
@@ -2491,7 +2492,7 @@
           <a:p>
             <a:fld id="{8A7F15D8-96D1-4781-BC50-CA8A088B2FE4}" type="datetime1">
               <a:rPr lang="en-US" smtClean="0"/>
-              <a:t>4/11/2021</a:t>
+              <a:t>4/17/2021</a:t>
             </a:fld>
             <a:endParaRPr lang="en-US"/>
           </a:p>
@@ -2609,7 +2610,7 @@
           <a:p>
             <a:fld id="{F9A96C99-B8F8-4528-BD05-0E16E943DC09}" type="datetime1">
               <a:rPr lang="en-US" smtClean="0"/>
-              <a:t>4/11/2021</a:t>
+              <a:t>4/17/2021</a:t>
             </a:fld>
             <a:endParaRPr lang="en-US"/>
           </a:p>
@@ -2704,7 +2705,7 @@
           <a:p>
             <a:fld id="{03636942-C211-4B28-8DBD-C953E00AF71B}" type="datetime1">
               <a:rPr lang="en-US" smtClean="0"/>
-              <a:t>4/11/2021</a:t>
+              <a:t>4/17/2021</a:t>
             </a:fld>
             <a:endParaRPr lang="en-US"/>
           </a:p>
@@ -3121,7 +3122,7 @@
           <a:p>
             <a:fld id="{7E8D12A6-918A-48BD-8CB9-CA713993B0EA}" type="datetime1">
               <a:rPr lang="en-US" smtClean="0"/>
-              <a:t>4/11/2021</a:t>
+              <a:t>4/17/2021</a:t>
             </a:fld>
             <a:endParaRPr lang="en-US"/>
           </a:p>
@@ -3383,7 +3384,7 @@
             <a:fld id="{E778CE86-875F-4587-BCF6-FA054AFC0D53}" type="datetime1">
               <a:rPr lang="en-US" smtClean="0"/>
               <a:pPr/>
-              <a:t>4/11/2021</a:t>
+              <a:t>4/17/2021</a:t>
             </a:fld>
             <a:endParaRPr lang="en-US" dirty="0"/>
           </a:p>
@@ -3899,7 +3900,7 @@
           <a:p>
             <a:fld id="{F6FA2B21-3FCD-4721-B95C-427943F61125}" type="datetime1">
               <a:rPr lang="en-US" smtClean="0"/>
-              <a:t>4/11/2021</a:t>
+              <a:t>4/17/2021</a:t>
             </a:fld>
             <a:endParaRPr lang="en-US"/>
           </a:p>
@@ -5426,6 +5427,69 @@
 </p:sld>
 </file>
 
+<file path=ppt/slides/slide6.xml><?xml version="1.0" encoding="utf-8"?>
+<p:sld xmlns:a="http://schemas.openxmlformats.org/drawingml/2006/main" xmlns:r="http://schemas.openxmlformats.org/officeDocument/2006/relationships" xmlns:p="http://schemas.openxmlformats.org/presentationml/2006/main">
+  <p:cSld>
+    <p:spTree>
+      <p:nvGrpSpPr>
+        <p:cNvPr id="1" name=""/>
+        <p:cNvGrpSpPr/>
+        <p:nvPr/>
+      </p:nvGrpSpPr>
+      <p:grpSpPr>
+        <a:xfrm>
+          <a:off x="0" y="0"/>
+          <a:ext cx="0" cy="0"/>
+          <a:chOff x="0" y="0"/>
+          <a:chExt cx="0" cy="0"/>
+        </a:xfrm>
+      </p:grpSpPr>
+      <p:sp>
+        <p:nvSpPr>
+          <p:cNvPr id="2" name="Title 1">
+            <a:extLst>
+              <a:ext uri="{FF2B5EF4-FFF2-40B4-BE49-F238E27FC236}">
+                <a16:creationId xmlns:a16="http://schemas.microsoft.com/office/drawing/2014/main" id="{BD71EBB7-3E8C-4B2F-9F2F-63585F91FEBC}"/>
+              </a:ext>
+            </a:extLst>
+          </p:cNvPr>
+          <p:cNvSpPr>
+            <a:spLocks noGrp="1"/>
+          </p:cNvSpPr>
+          <p:nvPr>
+            <p:ph type="title"/>
+          </p:nvPr>
+        </p:nvSpPr>
+        <p:spPr>
+          <a:xfrm>
+            <a:off x="1066800" y="2743200"/>
+            <a:ext cx="10058400" cy="1371600"/>
+          </a:xfrm>
+        </p:spPr>
+        <p:txBody>
+          <a:bodyPr/>
+          <a:lstStyle/>
+          <a:p>
+            <a:r>
+              <a:rPr lang="en-IN" dirty="0"/>
+              <a:t>Move to show flow of code and explaining actual code and execution</a:t>
+            </a:r>
+          </a:p>
+        </p:txBody>
+      </p:sp>
+    </p:spTree>
+    <p:extLst>
+      <p:ext uri="{BB962C8B-B14F-4D97-AF65-F5344CB8AC3E}">
+        <p14:creationId xmlns:p14="http://schemas.microsoft.com/office/powerpoint/2010/main" val="403136407"/>
+      </p:ext>
+    </p:extLst>
+  </p:cSld>
+  <p:clrMapOvr>
+    <a:masterClrMapping/>
+  </p:clrMapOvr>
+</p:sld>
+</file>
+
 <file path=ppt/theme/theme1.xml><?xml version="1.0" encoding="utf-8"?>
 <a:theme xmlns:a="http://schemas.openxmlformats.org/drawingml/2006/main" name="SavonVTI">
   <a:themeElements>

--- a/Project PPt.pptx
+++ b/Project PPt.pptx
@@ -6,11 +6,10 @@
   </p:sldMasterIdLst>
   <p:sldIdLst>
     <p:sldId id="256" r:id="rId2"/>
-    <p:sldId id="257" r:id="rId3"/>
-    <p:sldId id="258" r:id="rId4"/>
-    <p:sldId id="259" r:id="rId5"/>
-    <p:sldId id="260" r:id="rId6"/>
-    <p:sldId id="261" r:id="rId7"/>
+    <p:sldId id="260" r:id="rId3"/>
+    <p:sldId id="259" r:id="rId4"/>
+    <p:sldId id="261" r:id="rId5"/>
+    <p:sldId id="262" r:id="rId6"/>
   </p:sldIdLst>
   <p:sldSz cx="12192000" cy="6858000"/>
   <p:notesSz cx="6858000" cy="9144000"/>
@@ -115,6 +114,1108 @@
     </p:ext>
   </p:extLst>
 </p:presentation>
+</file>
+
+<file path=ppt/charts/chart1.xml><?xml version="1.0" encoding="utf-8"?>
+<c:chartSpace xmlns:c="http://schemas.openxmlformats.org/drawingml/2006/chart" xmlns:a="http://schemas.openxmlformats.org/drawingml/2006/main" xmlns:r="http://schemas.openxmlformats.org/officeDocument/2006/relationships" xmlns:c16r2="http://schemas.microsoft.com/office/drawing/2015/06/chart">
+  <c:date1904 val="0"/>
+  <c:lang val="en-US"/>
+  <c:roundedCorners val="0"/>
+  <mc:AlternateContent xmlns:mc="http://schemas.openxmlformats.org/markup-compatibility/2006">
+    <mc:Choice xmlns:c14="http://schemas.microsoft.com/office/drawing/2007/8/2/chart" Requires="c14">
+      <c14:style val="102"/>
+    </mc:Choice>
+    <mc:Fallback>
+      <c:style val="2"/>
+    </mc:Fallback>
+  </mc:AlternateContent>
+  <c:chart>
+    <c:title>
+      <c:tx>
+        <c:rich>
+          <a:bodyPr rot="0" spcFirstLastPara="1" vertOverflow="ellipsis" vert="horz" wrap="square" anchor="ctr" anchorCtr="1"/>
+          <a:lstStyle/>
+          <a:p>
+            <a:pPr>
+              <a:defRPr sz="1862" b="0" i="0" u="none" strike="noStrike" kern="1200" spc="0" baseline="0">
+                <a:solidFill>
+                  <a:schemeClr val="tx1">
+                    <a:lumMod val="65000"/>
+                    <a:lumOff val="35000"/>
+                  </a:schemeClr>
+                </a:solidFill>
+                <a:latin typeface="+mn-lt"/>
+                <a:ea typeface="+mn-ea"/>
+                <a:cs typeface="+mn-cs"/>
+              </a:defRPr>
+            </a:pPr>
+            <a:r>
+              <a:rPr lang="en-US" dirty="0"/>
+              <a:t>Compression</a:t>
+            </a:r>
+            <a:r>
+              <a:rPr lang="en-US" baseline="0" dirty="0"/>
+              <a:t> Ratio</a:t>
+            </a:r>
+            <a:endParaRPr lang="en-US" dirty="0"/>
+          </a:p>
+        </c:rich>
+      </c:tx>
+      <c:overlay val="0"/>
+      <c:spPr>
+        <a:noFill/>
+        <a:ln>
+          <a:noFill/>
+        </a:ln>
+        <a:effectLst/>
+      </c:spPr>
+      <c:txPr>
+        <a:bodyPr rot="0" spcFirstLastPara="1" vertOverflow="ellipsis" vert="horz" wrap="square" anchor="ctr" anchorCtr="1"/>
+        <a:lstStyle/>
+        <a:p>
+          <a:pPr>
+            <a:defRPr sz="1862" b="0" i="0" u="none" strike="noStrike" kern="1200" spc="0" baseline="0">
+              <a:solidFill>
+                <a:schemeClr val="tx1">
+                  <a:lumMod val="65000"/>
+                  <a:lumOff val="35000"/>
+                </a:schemeClr>
+              </a:solidFill>
+              <a:latin typeface="+mn-lt"/>
+              <a:ea typeface="+mn-ea"/>
+              <a:cs typeface="+mn-cs"/>
+            </a:defRPr>
+          </a:pPr>
+          <a:endParaRPr lang="en-US"/>
+        </a:p>
+      </c:txPr>
+    </c:title>
+    <c:autoTitleDeleted val="0"/>
+    <c:plotArea>
+      <c:layout/>
+      <c:barChart>
+        <c:barDir val="col"/>
+        <c:grouping val="stacked"/>
+        <c:varyColors val="0"/>
+        <c:ser>
+          <c:idx val="0"/>
+          <c:order val="0"/>
+          <c:tx>
+            <c:strRef>
+              <c:f>Sheet1!$B$1</c:f>
+              <c:strCache>
+                <c:ptCount val="1"/>
+                <c:pt idx="0">
+                  <c:v>Y-Values</c:v>
+                </c:pt>
+              </c:strCache>
+            </c:strRef>
+          </c:tx>
+          <c:spPr>
+            <a:solidFill>
+              <a:schemeClr val="accent1"/>
+            </a:solidFill>
+            <a:ln>
+              <a:noFill/>
+            </a:ln>
+            <a:effectLst/>
+          </c:spPr>
+          <c:invertIfNegative val="0"/>
+          <c:cat>
+            <c:numRef>
+              <c:f>Sheet1!$A$2:$A$21</c:f>
+              <c:numCache>
+                <c:formatCode>General</c:formatCode>
+                <c:ptCount val="20"/>
+                <c:pt idx="0">
+                  <c:v>327</c:v>
+                </c:pt>
+                <c:pt idx="1">
+                  <c:v>1001</c:v>
+                </c:pt>
+                <c:pt idx="2">
+                  <c:v>1024</c:v>
+                </c:pt>
+                <c:pt idx="3">
+                  <c:v>1030</c:v>
+                </c:pt>
+                <c:pt idx="4">
+                  <c:v>1032</c:v>
+                </c:pt>
+                <c:pt idx="5">
+                  <c:v>1040</c:v>
+                </c:pt>
+                <c:pt idx="6">
+                  <c:v>1090</c:v>
+                </c:pt>
+                <c:pt idx="7">
+                  <c:v>1100</c:v>
+                </c:pt>
+                <c:pt idx="8">
+                  <c:v>1500</c:v>
+                </c:pt>
+                <c:pt idx="9">
+                  <c:v>1600</c:v>
+                </c:pt>
+                <c:pt idx="10">
+                  <c:v>3270</c:v>
+                </c:pt>
+                <c:pt idx="11">
+                  <c:v>3345</c:v>
+                </c:pt>
+                <c:pt idx="12">
+                  <c:v>12934</c:v>
+                </c:pt>
+                <c:pt idx="13">
+                  <c:v>31151</c:v>
+                </c:pt>
+                <c:pt idx="14">
+                  <c:v>31230</c:v>
+                </c:pt>
+                <c:pt idx="15">
+                  <c:v>32768</c:v>
+                </c:pt>
+                <c:pt idx="16">
+                  <c:v>33151</c:v>
+                </c:pt>
+                <c:pt idx="17">
+                  <c:v>33451</c:v>
+                </c:pt>
+                <c:pt idx="18">
+                  <c:v>312309</c:v>
+                </c:pt>
+                <c:pt idx="19">
+                  <c:v>3123099</c:v>
+                </c:pt>
+              </c:numCache>
+            </c:numRef>
+          </c:cat>
+          <c:val>
+            <c:numRef>
+              <c:f>Sheet1!$B$2:$B$21</c:f>
+              <c:numCache>
+                <c:formatCode>General</c:formatCode>
+                <c:ptCount val="20"/>
+                <c:pt idx="0">
+                  <c:v>194.80122324159021</c:v>
+                </c:pt>
+                <c:pt idx="1">
+                  <c:v>147.85214785214785</c:v>
+                </c:pt>
+                <c:pt idx="2">
+                  <c:v>102.5390625</c:v>
+                </c:pt>
+                <c:pt idx="3">
+                  <c:v>102.03883495145631</c:v>
+                </c:pt>
+                <c:pt idx="4">
+                  <c:v>102.13178294573643</c:v>
+                </c:pt>
+                <c:pt idx="5">
+                  <c:v>101.73076923076923</c:v>
+                </c:pt>
+                <c:pt idx="6">
+                  <c:v>99.908256880733944</c:v>
+                </c:pt>
+                <c:pt idx="7">
+                  <c:v>99.545454545454547</c:v>
+                </c:pt>
+                <c:pt idx="8">
+                  <c:v>88.666666666666671</c:v>
+                </c:pt>
+                <c:pt idx="9">
+                  <c:v>86.9375</c:v>
+                </c:pt>
+                <c:pt idx="10">
+                  <c:v>72.813455657492355</c:v>
+                </c:pt>
+                <c:pt idx="11">
+                  <c:v>72.556053811659197</c:v>
+                </c:pt>
+                <c:pt idx="12">
+                  <c:v>66.197618679449505</c:v>
+                </c:pt>
+                <c:pt idx="13">
+                  <c:v>60.95470450386825</c:v>
+                </c:pt>
+                <c:pt idx="14">
+                  <c:v>60.957412744156258</c:v>
+                </c:pt>
+                <c:pt idx="15">
+                  <c:v>60.8917236328125</c:v>
+                </c:pt>
+                <c:pt idx="16">
+                  <c:v>60.851859672408068</c:v>
+                </c:pt>
+                <c:pt idx="17">
+                  <c:v>60.859167139995819</c:v>
+                </c:pt>
+                <c:pt idx="18">
+                  <c:v>59.720981463870714</c:v>
+                </c:pt>
+                <c:pt idx="19">
+                  <c:v>59.617706643305254</c:v>
+                </c:pt>
+              </c:numCache>
+            </c:numRef>
+          </c:val>
+          <c:extLst>
+            <c:ext xmlns:c16="http://schemas.microsoft.com/office/drawing/2014/chart" uri="{C3380CC4-5D6E-409C-BE32-E72D297353CC}">
+              <c16:uniqueId val="{00000000-7A9C-43C5-A557-341B82CA4094}"/>
+            </c:ext>
+          </c:extLst>
+        </c:ser>
+        <c:dLbls>
+          <c:showLegendKey val="0"/>
+          <c:showVal val="0"/>
+          <c:showCatName val="0"/>
+          <c:showSerName val="0"/>
+          <c:showPercent val="0"/>
+          <c:showBubbleSize val="0"/>
+        </c:dLbls>
+        <c:gapWidth val="150"/>
+        <c:overlap val="100"/>
+        <c:axId val="1320372047"/>
+        <c:axId val="1320372463"/>
+      </c:barChart>
+      <c:catAx>
+        <c:axId val="1320372047"/>
+        <c:scaling>
+          <c:orientation val="minMax"/>
+        </c:scaling>
+        <c:delete val="0"/>
+        <c:axPos val="b"/>
+        <c:majorGridlines>
+          <c:spPr>
+            <a:ln w="9525" cap="flat" cmpd="sng" algn="ctr">
+              <a:solidFill>
+                <a:schemeClr val="tx1">
+                  <a:lumMod val="15000"/>
+                  <a:lumOff val="85000"/>
+                </a:schemeClr>
+              </a:solidFill>
+              <a:round/>
+            </a:ln>
+            <a:effectLst/>
+          </c:spPr>
+        </c:majorGridlines>
+        <c:title>
+          <c:tx>
+            <c:rich>
+              <a:bodyPr rot="0" spcFirstLastPara="1" vertOverflow="ellipsis" vert="horz" wrap="square" anchor="ctr" anchorCtr="1"/>
+              <a:lstStyle/>
+              <a:p>
+                <a:pPr>
+                  <a:defRPr sz="1330" b="0" i="0" u="none" strike="noStrike" kern="1200" baseline="0">
+                    <a:solidFill>
+                      <a:schemeClr val="tx1">
+                        <a:lumMod val="65000"/>
+                        <a:lumOff val="35000"/>
+                      </a:schemeClr>
+                    </a:solidFill>
+                    <a:latin typeface="+mn-lt"/>
+                    <a:ea typeface="+mn-ea"/>
+                    <a:cs typeface="+mn-cs"/>
+                  </a:defRPr>
+                </a:pPr>
+                <a:r>
+                  <a:rPr lang="en-IN" dirty="0"/>
+                  <a:t>File Size before compression</a:t>
+                </a:r>
+              </a:p>
+            </c:rich>
+          </c:tx>
+          <c:overlay val="0"/>
+          <c:spPr>
+            <a:noFill/>
+            <a:ln>
+              <a:noFill/>
+            </a:ln>
+            <a:effectLst/>
+          </c:spPr>
+          <c:txPr>
+            <a:bodyPr rot="0" spcFirstLastPara="1" vertOverflow="ellipsis" vert="horz" wrap="square" anchor="ctr" anchorCtr="1"/>
+            <a:lstStyle/>
+            <a:p>
+              <a:pPr>
+                <a:defRPr sz="1330" b="0" i="0" u="none" strike="noStrike" kern="1200" baseline="0">
+                  <a:solidFill>
+                    <a:schemeClr val="tx1">
+                      <a:lumMod val="65000"/>
+                      <a:lumOff val="35000"/>
+                    </a:schemeClr>
+                  </a:solidFill>
+                  <a:latin typeface="+mn-lt"/>
+                  <a:ea typeface="+mn-ea"/>
+                  <a:cs typeface="+mn-cs"/>
+                </a:defRPr>
+              </a:pPr>
+              <a:endParaRPr lang="en-US"/>
+            </a:p>
+          </c:txPr>
+        </c:title>
+        <c:numFmt formatCode="General" sourceLinked="1"/>
+        <c:majorTickMark val="none"/>
+        <c:minorTickMark val="none"/>
+        <c:tickLblPos val="nextTo"/>
+        <c:spPr>
+          <a:noFill/>
+          <a:ln w="9525" cap="flat" cmpd="sng" algn="ctr">
+            <a:solidFill>
+              <a:schemeClr val="tx1">
+                <a:lumMod val="25000"/>
+                <a:lumOff val="75000"/>
+              </a:schemeClr>
+            </a:solidFill>
+            <a:round/>
+          </a:ln>
+          <a:effectLst/>
+        </c:spPr>
+        <c:txPr>
+          <a:bodyPr rot="-60000000" spcFirstLastPara="1" vertOverflow="ellipsis" vert="horz" wrap="square" anchor="ctr" anchorCtr="1"/>
+          <a:lstStyle/>
+          <a:p>
+            <a:pPr>
+              <a:defRPr sz="1197" b="0" i="0" u="none" strike="noStrike" kern="1200" baseline="0">
+                <a:solidFill>
+                  <a:schemeClr val="tx1">
+                    <a:lumMod val="65000"/>
+                    <a:lumOff val="35000"/>
+                  </a:schemeClr>
+                </a:solidFill>
+                <a:latin typeface="+mn-lt"/>
+                <a:ea typeface="+mn-ea"/>
+                <a:cs typeface="+mn-cs"/>
+              </a:defRPr>
+            </a:pPr>
+            <a:endParaRPr lang="en-US"/>
+          </a:p>
+        </c:txPr>
+        <c:crossAx val="1320372463"/>
+        <c:crosses val="autoZero"/>
+        <c:auto val="1"/>
+        <c:lblAlgn val="ctr"/>
+        <c:lblOffset val="100"/>
+        <c:noMultiLvlLbl val="0"/>
+      </c:catAx>
+      <c:valAx>
+        <c:axId val="1320372463"/>
+        <c:scaling>
+          <c:orientation val="minMax"/>
+        </c:scaling>
+        <c:delete val="0"/>
+        <c:axPos val="l"/>
+        <c:majorGridlines>
+          <c:spPr>
+            <a:ln w="9525" cap="flat" cmpd="sng" algn="ctr">
+              <a:solidFill>
+                <a:schemeClr val="tx1">
+                  <a:lumMod val="15000"/>
+                  <a:lumOff val="85000"/>
+                </a:schemeClr>
+              </a:solidFill>
+              <a:round/>
+            </a:ln>
+            <a:effectLst/>
+          </c:spPr>
+        </c:majorGridlines>
+        <c:title>
+          <c:tx>
+            <c:rich>
+              <a:bodyPr rot="-5400000" spcFirstLastPara="1" vertOverflow="ellipsis" vert="horz" wrap="square" anchor="ctr" anchorCtr="1"/>
+              <a:lstStyle/>
+              <a:p>
+                <a:pPr>
+                  <a:defRPr sz="1330" b="0" i="0" u="none" strike="noStrike" kern="1200" baseline="0">
+                    <a:solidFill>
+                      <a:schemeClr val="tx1">
+                        <a:lumMod val="65000"/>
+                        <a:lumOff val="35000"/>
+                      </a:schemeClr>
+                    </a:solidFill>
+                    <a:latin typeface="+mn-lt"/>
+                    <a:ea typeface="+mn-ea"/>
+                    <a:cs typeface="+mn-cs"/>
+                  </a:defRPr>
+                </a:pPr>
+                <a:r>
+                  <a:rPr lang="en-IN" dirty="0"/>
+                  <a:t>Compression</a:t>
+                </a:r>
+                <a:r>
+                  <a:rPr lang="en-IN" baseline="0" dirty="0"/>
+                  <a:t> percentage</a:t>
+                </a:r>
+                <a:endParaRPr lang="en-IN" dirty="0"/>
+              </a:p>
+            </c:rich>
+          </c:tx>
+          <c:overlay val="0"/>
+          <c:spPr>
+            <a:noFill/>
+            <a:ln>
+              <a:noFill/>
+            </a:ln>
+            <a:effectLst/>
+          </c:spPr>
+          <c:txPr>
+            <a:bodyPr rot="-5400000" spcFirstLastPara="1" vertOverflow="ellipsis" vert="horz" wrap="square" anchor="ctr" anchorCtr="1"/>
+            <a:lstStyle/>
+            <a:p>
+              <a:pPr>
+                <a:defRPr sz="1330" b="0" i="0" u="none" strike="noStrike" kern="1200" baseline="0">
+                  <a:solidFill>
+                    <a:schemeClr val="tx1">
+                      <a:lumMod val="65000"/>
+                      <a:lumOff val="35000"/>
+                    </a:schemeClr>
+                  </a:solidFill>
+                  <a:latin typeface="+mn-lt"/>
+                  <a:ea typeface="+mn-ea"/>
+                  <a:cs typeface="+mn-cs"/>
+                </a:defRPr>
+              </a:pPr>
+              <a:endParaRPr lang="en-US"/>
+            </a:p>
+          </c:txPr>
+        </c:title>
+        <c:numFmt formatCode="General" sourceLinked="1"/>
+        <c:majorTickMark val="none"/>
+        <c:minorTickMark val="none"/>
+        <c:tickLblPos val="nextTo"/>
+        <c:spPr>
+          <a:noFill/>
+          <a:ln w="9525" cap="flat" cmpd="sng" algn="ctr">
+            <a:solidFill>
+              <a:schemeClr val="tx1">
+                <a:lumMod val="25000"/>
+                <a:lumOff val="75000"/>
+              </a:schemeClr>
+            </a:solidFill>
+            <a:round/>
+          </a:ln>
+          <a:effectLst/>
+        </c:spPr>
+        <c:txPr>
+          <a:bodyPr rot="-60000000" spcFirstLastPara="1" vertOverflow="ellipsis" vert="horz" wrap="square" anchor="ctr" anchorCtr="1"/>
+          <a:lstStyle/>
+          <a:p>
+            <a:pPr>
+              <a:defRPr sz="1197" b="0" i="0" u="none" strike="noStrike" kern="1200" baseline="0">
+                <a:solidFill>
+                  <a:schemeClr val="tx1">
+                    <a:lumMod val="65000"/>
+                    <a:lumOff val="35000"/>
+                  </a:schemeClr>
+                </a:solidFill>
+                <a:latin typeface="+mn-lt"/>
+                <a:ea typeface="+mn-ea"/>
+                <a:cs typeface="+mn-cs"/>
+              </a:defRPr>
+            </a:pPr>
+            <a:endParaRPr lang="en-US"/>
+          </a:p>
+        </c:txPr>
+        <c:crossAx val="1320372047"/>
+        <c:crosses val="autoZero"/>
+        <c:crossBetween val="between"/>
+      </c:valAx>
+      <c:spPr>
+        <a:noFill/>
+        <a:ln>
+          <a:noFill/>
+        </a:ln>
+        <a:effectLst/>
+      </c:spPr>
+    </c:plotArea>
+    <c:plotVisOnly val="1"/>
+    <c:dispBlanksAs val="gap"/>
+    <c:extLst>
+      <c:ext xmlns:c16r3="http://schemas.microsoft.com/office/drawing/2017/03/chart" uri="{56B9EC1D-385E-4148-901F-78D8002777C0}">
+        <c16r3:dataDisplayOptions16>
+          <c16r3:dispNaAsBlank val="1"/>
+        </c16r3:dataDisplayOptions16>
+      </c:ext>
+    </c:extLst>
+    <c:showDLblsOverMax val="0"/>
+  </c:chart>
+  <c:spPr>
+    <a:noFill/>
+    <a:ln>
+      <a:noFill/>
+    </a:ln>
+    <a:effectLst/>
+  </c:spPr>
+  <c:txPr>
+    <a:bodyPr/>
+    <a:lstStyle/>
+    <a:p>
+      <a:pPr>
+        <a:defRPr/>
+      </a:pPr>
+      <a:endParaRPr lang="en-US"/>
+    </a:p>
+  </c:txPr>
+  <c:externalData r:id="rId3">
+    <c:autoUpdate val="0"/>
+  </c:externalData>
+</c:chartSpace>
+</file>
+
+<file path=ppt/charts/colors1.xml><?xml version="1.0" encoding="utf-8"?>
+<cs:colorStyle xmlns:cs="http://schemas.microsoft.com/office/drawing/2012/chartStyle" xmlns:a="http://schemas.openxmlformats.org/drawingml/2006/main" meth="cycle" id="10">
+  <a:schemeClr val="accent1"/>
+  <a:schemeClr val="accent2"/>
+  <a:schemeClr val="accent3"/>
+  <a:schemeClr val="accent4"/>
+  <a:schemeClr val="accent5"/>
+  <a:schemeClr val="accent6"/>
+  <cs:variation/>
+  <cs:variation>
+    <a:lumMod val="60000"/>
+  </cs:variation>
+  <cs:variation>
+    <a:lumMod val="80000"/>
+    <a:lumOff val="20000"/>
+  </cs:variation>
+  <cs:variation>
+    <a:lumMod val="80000"/>
+  </cs:variation>
+  <cs:variation>
+    <a:lumMod val="60000"/>
+    <a:lumOff val="40000"/>
+  </cs:variation>
+  <cs:variation>
+    <a:lumMod val="50000"/>
+  </cs:variation>
+  <cs:variation>
+    <a:lumMod val="70000"/>
+    <a:lumOff val="30000"/>
+  </cs:variation>
+  <cs:variation>
+    <a:lumMod val="70000"/>
+  </cs:variation>
+  <cs:variation>
+    <a:lumMod val="50000"/>
+    <a:lumOff val="50000"/>
+  </cs:variation>
+</cs:colorStyle>
+</file>
+
+<file path=ppt/charts/style1.xml><?xml version="1.0" encoding="utf-8"?>
+<cs:chartStyle xmlns:cs="http://schemas.microsoft.com/office/drawing/2012/chartStyle" xmlns:a="http://schemas.openxmlformats.org/drawingml/2006/main" id="240">
+  <cs:axisTitle>
+    <cs:lnRef idx="0"/>
+    <cs:fillRef idx="0"/>
+    <cs:effectRef idx="0"/>
+    <cs:fontRef idx="minor">
+      <a:schemeClr val="tx1">
+        <a:lumMod val="65000"/>
+        <a:lumOff val="35000"/>
+      </a:schemeClr>
+    </cs:fontRef>
+    <cs:defRPr sz="1330" kern="1200"/>
+  </cs:axisTitle>
+  <cs:categoryAxis>
+    <cs:lnRef idx="0"/>
+    <cs:fillRef idx="0"/>
+    <cs:effectRef idx="0"/>
+    <cs:fontRef idx="minor">
+      <a:schemeClr val="tx1">
+        <a:lumMod val="65000"/>
+        <a:lumOff val="35000"/>
+      </a:schemeClr>
+    </cs:fontRef>
+    <cs:spPr>
+      <a:ln w="9525" cap="flat" cmpd="sng" algn="ctr">
+        <a:solidFill>
+          <a:schemeClr val="tx1">
+            <a:lumMod val="25000"/>
+            <a:lumOff val="75000"/>
+          </a:schemeClr>
+        </a:solidFill>
+        <a:round/>
+      </a:ln>
+    </cs:spPr>
+    <cs:defRPr sz="1197" kern="1200"/>
+  </cs:categoryAxis>
+  <cs:chartArea mods="allowNoFillOverride allowNoLineOverride">
+    <cs:lnRef idx="0"/>
+    <cs:fillRef idx="0"/>
+    <cs:effectRef idx="0"/>
+    <cs:fontRef idx="minor">
+      <a:schemeClr val="tx1"/>
+    </cs:fontRef>
+    <cs:spPr>
+      <a:solidFill>
+        <a:schemeClr val="bg1"/>
+      </a:solidFill>
+      <a:ln w="9525" cap="flat" cmpd="sng" algn="ctr">
+        <a:solidFill>
+          <a:schemeClr val="tx1">
+            <a:lumMod val="15000"/>
+            <a:lumOff val="85000"/>
+          </a:schemeClr>
+        </a:solidFill>
+        <a:round/>
+      </a:ln>
+    </cs:spPr>
+    <cs:defRPr sz="1330" kern="1200"/>
+  </cs:chartArea>
+  <cs:dataLabel>
+    <cs:lnRef idx="0"/>
+    <cs:fillRef idx="0"/>
+    <cs:effectRef idx="0"/>
+    <cs:fontRef idx="minor">
+      <a:schemeClr val="tx1">
+        <a:lumMod val="75000"/>
+        <a:lumOff val="25000"/>
+      </a:schemeClr>
+    </cs:fontRef>
+    <cs:defRPr sz="1197" kern="1200"/>
+  </cs:dataLabel>
+  <cs:dataLabelCallout>
+    <cs:lnRef idx="0"/>
+    <cs:fillRef idx="0"/>
+    <cs:effectRef idx="0"/>
+    <cs:fontRef idx="minor">
+      <a:schemeClr val="dk1">
+        <a:lumMod val="65000"/>
+        <a:lumOff val="35000"/>
+      </a:schemeClr>
+    </cs:fontRef>
+    <cs:spPr>
+      <a:solidFill>
+        <a:schemeClr val="lt1"/>
+      </a:solidFill>
+      <a:ln>
+        <a:solidFill>
+          <a:schemeClr val="dk1">
+            <a:lumMod val="25000"/>
+            <a:lumOff val="75000"/>
+          </a:schemeClr>
+        </a:solidFill>
+      </a:ln>
+    </cs:spPr>
+    <cs:defRPr sz="1197" kern="1200"/>
+    <cs:bodyPr rot="0" spcFirstLastPara="1" vertOverflow="clip" horzOverflow="clip" vert="horz" wrap="square" lIns="36576" tIns="18288" rIns="36576" bIns="18288" anchor="ctr" anchorCtr="1">
+      <a:spAutoFit/>
+    </cs:bodyPr>
+  </cs:dataLabelCallout>
+  <cs:dataPoint>
+    <cs:lnRef idx="0"/>
+    <cs:fillRef idx="1">
+      <cs:styleClr val="auto"/>
+    </cs:fillRef>
+    <cs:effectRef idx="0"/>
+    <cs:fontRef idx="minor">
+      <a:schemeClr val="tx1"/>
+    </cs:fontRef>
+  </cs:dataPoint>
+  <cs:dataPoint3D>
+    <cs:lnRef idx="0"/>
+    <cs:fillRef idx="1">
+      <cs:styleClr val="auto"/>
+    </cs:fillRef>
+    <cs:effectRef idx="0"/>
+    <cs:fontRef idx="minor">
+      <a:schemeClr val="tx1"/>
+    </cs:fontRef>
+  </cs:dataPoint3D>
+  <cs:dataPointLine>
+    <cs:lnRef idx="0">
+      <cs:styleClr val="auto"/>
+    </cs:lnRef>
+    <cs:fillRef idx="1"/>
+    <cs:effectRef idx="0"/>
+    <cs:fontRef idx="minor">
+      <a:schemeClr val="tx1"/>
+    </cs:fontRef>
+    <cs:spPr>
+      <a:ln w="19050" cap="rnd">
+        <a:solidFill>
+          <a:schemeClr val="phClr"/>
+        </a:solidFill>
+        <a:round/>
+      </a:ln>
+    </cs:spPr>
+  </cs:dataPointLine>
+  <cs:dataPointMarker>
+    <cs:lnRef idx="0">
+      <cs:styleClr val="auto"/>
+    </cs:lnRef>
+    <cs:fillRef idx="1">
+      <cs:styleClr val="auto"/>
+    </cs:fillRef>
+    <cs:effectRef idx="0"/>
+    <cs:fontRef idx="minor">
+      <a:schemeClr val="tx1"/>
+    </cs:fontRef>
+    <cs:spPr>
+      <a:ln w="9525">
+        <a:solidFill>
+          <a:schemeClr val="phClr"/>
+        </a:solidFill>
+      </a:ln>
+    </cs:spPr>
+  </cs:dataPointMarker>
+  <cs:dataPointMarkerLayout symbol="circle" size="5"/>
+  <cs:dataPointWireframe>
+    <cs:lnRef idx="0">
+      <cs:styleClr val="auto"/>
+    </cs:lnRef>
+    <cs:fillRef idx="0"/>
+    <cs:effectRef idx="0"/>
+    <cs:fontRef idx="minor">
+      <a:schemeClr val="dk1"/>
+    </cs:fontRef>
+    <cs:spPr>
+      <a:ln w="9525" cap="rnd">
+        <a:solidFill>
+          <a:schemeClr val="phClr"/>
+        </a:solidFill>
+        <a:round/>
+      </a:ln>
+    </cs:spPr>
+  </cs:dataPointWireframe>
+  <cs:dataTable>
+    <cs:lnRef idx="0"/>
+    <cs:fillRef idx="0"/>
+    <cs:effectRef idx="0"/>
+    <cs:fontRef idx="minor">
+      <a:schemeClr val="tx1">
+        <a:lumMod val="65000"/>
+        <a:lumOff val="35000"/>
+      </a:schemeClr>
+    </cs:fontRef>
+    <cs:spPr>
+      <a:noFill/>
+      <a:ln w="9525" cap="flat" cmpd="sng" algn="ctr">
+        <a:solidFill>
+          <a:schemeClr val="tx1">
+            <a:lumMod val="15000"/>
+            <a:lumOff val="85000"/>
+          </a:schemeClr>
+        </a:solidFill>
+        <a:round/>
+      </a:ln>
+    </cs:spPr>
+    <cs:defRPr sz="1197" kern="1200"/>
+  </cs:dataTable>
+  <cs:downBar>
+    <cs:lnRef idx="0"/>
+    <cs:fillRef idx="0"/>
+    <cs:effectRef idx="0"/>
+    <cs:fontRef idx="minor">
+      <a:schemeClr val="tx1"/>
+    </cs:fontRef>
+    <cs:spPr>
+      <a:solidFill>
+        <a:schemeClr val="dk1">
+          <a:lumMod val="75000"/>
+          <a:lumOff val="25000"/>
+        </a:schemeClr>
+      </a:solidFill>
+      <a:ln w="9525" cap="flat" cmpd="sng" algn="ctr">
+        <a:solidFill>
+          <a:schemeClr val="tx1">
+            <a:lumMod val="65000"/>
+            <a:lumOff val="35000"/>
+          </a:schemeClr>
+        </a:solidFill>
+        <a:round/>
+      </a:ln>
+    </cs:spPr>
+  </cs:downBar>
+  <cs:dropLine>
+    <cs:lnRef idx="0"/>
+    <cs:fillRef idx="0"/>
+    <cs:effectRef idx="0"/>
+    <cs:fontRef idx="minor">
+      <a:schemeClr val="tx1"/>
+    </cs:fontRef>
+    <cs:spPr>
+      <a:ln w="9525" cap="flat" cmpd="sng" algn="ctr">
+        <a:solidFill>
+          <a:schemeClr val="tx1">
+            <a:lumMod val="35000"/>
+            <a:lumOff val="65000"/>
+          </a:schemeClr>
+        </a:solidFill>
+        <a:round/>
+      </a:ln>
+    </cs:spPr>
+  </cs:dropLine>
+  <cs:errorBar>
+    <cs:lnRef idx="0"/>
+    <cs:fillRef idx="0"/>
+    <cs:effectRef idx="0"/>
+    <cs:fontRef idx="minor">
+      <a:schemeClr val="tx1"/>
+    </cs:fontRef>
+    <cs:spPr>
+      <a:ln w="9525" cap="flat" cmpd="sng" algn="ctr">
+        <a:solidFill>
+          <a:schemeClr val="tx1">
+            <a:lumMod val="65000"/>
+            <a:lumOff val="35000"/>
+          </a:schemeClr>
+        </a:solidFill>
+        <a:round/>
+      </a:ln>
+    </cs:spPr>
+  </cs:errorBar>
+  <cs:floor>
+    <cs:lnRef idx="0"/>
+    <cs:fillRef idx="0"/>
+    <cs:effectRef idx="0"/>
+    <cs:fontRef idx="minor">
+      <a:schemeClr val="tx1"/>
+    </cs:fontRef>
+    <cs:spPr>
+      <a:noFill/>
+      <a:ln>
+        <a:noFill/>
+      </a:ln>
+    </cs:spPr>
+  </cs:floor>
+  <cs:gridlineMajor>
+    <cs:lnRef idx="0"/>
+    <cs:fillRef idx="0"/>
+    <cs:effectRef idx="0"/>
+    <cs:fontRef idx="minor">
+      <a:schemeClr val="tx1"/>
+    </cs:fontRef>
+    <cs:spPr>
+      <a:ln w="9525" cap="flat" cmpd="sng" algn="ctr">
+        <a:solidFill>
+          <a:schemeClr val="tx1">
+            <a:lumMod val="15000"/>
+            <a:lumOff val="85000"/>
+          </a:schemeClr>
+        </a:solidFill>
+        <a:round/>
+      </a:ln>
+    </cs:spPr>
+  </cs:gridlineMajor>
+  <cs:gridlineMinor>
+    <cs:lnRef idx="0"/>
+    <cs:fillRef idx="0"/>
+    <cs:effectRef idx="0"/>
+    <cs:fontRef idx="minor">
+      <a:schemeClr val="tx1"/>
+    </cs:fontRef>
+    <cs:spPr>
+      <a:ln w="9525" cap="flat" cmpd="sng" algn="ctr">
+        <a:solidFill>
+          <a:schemeClr val="tx1">
+            <a:lumMod val="5000"/>
+            <a:lumOff val="95000"/>
+          </a:schemeClr>
+        </a:solidFill>
+        <a:round/>
+      </a:ln>
+    </cs:spPr>
+  </cs:gridlineMinor>
+  <cs:hiLoLine>
+    <cs:lnRef idx="0"/>
+    <cs:fillRef idx="0"/>
+    <cs:effectRef idx="0"/>
+    <cs:fontRef idx="minor">
+      <a:schemeClr val="tx1"/>
+    </cs:fontRef>
+    <cs:spPr>
+      <a:ln w="9525" cap="flat" cmpd="sng" algn="ctr">
+        <a:solidFill>
+          <a:schemeClr val="tx1">
+            <a:lumMod val="50000"/>
+            <a:lumOff val="50000"/>
+          </a:schemeClr>
+        </a:solidFill>
+        <a:round/>
+      </a:ln>
+    </cs:spPr>
+  </cs:hiLoLine>
+  <cs:leaderLine>
+    <cs:lnRef idx="0"/>
+    <cs:fillRef idx="0"/>
+    <cs:effectRef idx="0"/>
+    <cs:fontRef idx="minor">
+      <a:schemeClr val="tx1"/>
+    </cs:fontRef>
+    <cs:spPr>
+      <a:ln w="9525" cap="flat" cmpd="sng" algn="ctr">
+        <a:solidFill>
+          <a:schemeClr val="tx1">
+            <a:lumMod val="35000"/>
+            <a:lumOff val="65000"/>
+          </a:schemeClr>
+        </a:solidFill>
+        <a:round/>
+      </a:ln>
+    </cs:spPr>
+  </cs:leaderLine>
+  <cs:legend>
+    <cs:lnRef idx="0"/>
+    <cs:fillRef idx="0"/>
+    <cs:effectRef idx="0"/>
+    <cs:fontRef idx="minor">
+      <a:schemeClr val="tx1">
+        <a:lumMod val="65000"/>
+        <a:lumOff val="35000"/>
+      </a:schemeClr>
+    </cs:fontRef>
+    <cs:defRPr sz="1197" kern="1200"/>
+  </cs:legend>
+  <cs:plotArea mods="allowNoFillOverride allowNoLineOverride">
+    <cs:lnRef idx="0"/>
+    <cs:fillRef idx="0"/>
+    <cs:effectRef idx="0"/>
+    <cs:fontRef idx="minor">
+      <a:schemeClr val="tx1"/>
+    </cs:fontRef>
+  </cs:plotArea>
+  <cs:plotArea3D mods="allowNoFillOverride allowNoLineOverride">
+    <cs:lnRef idx="0"/>
+    <cs:fillRef idx="0"/>
+    <cs:effectRef idx="0"/>
+    <cs:fontRef idx="minor">
+      <a:schemeClr val="tx1"/>
+    </cs:fontRef>
+  </cs:plotArea3D>
+  <cs:seriesAxis>
+    <cs:lnRef idx="0"/>
+    <cs:fillRef idx="0"/>
+    <cs:effectRef idx="0"/>
+    <cs:fontRef idx="minor">
+      <a:schemeClr val="tx1">
+        <a:lumMod val="65000"/>
+        <a:lumOff val="35000"/>
+      </a:schemeClr>
+    </cs:fontRef>
+    <cs:defRPr sz="1197" kern="1200"/>
+  </cs:seriesAxis>
+  <cs:seriesLine>
+    <cs:lnRef idx="0"/>
+    <cs:fillRef idx="0"/>
+    <cs:effectRef idx="0"/>
+    <cs:fontRef idx="minor">
+      <a:schemeClr val="tx1"/>
+    </cs:fontRef>
+    <cs:spPr>
+      <a:ln w="9525" cap="flat" cmpd="sng" algn="ctr">
+        <a:solidFill>
+          <a:schemeClr val="tx1">
+            <a:lumMod val="35000"/>
+            <a:lumOff val="65000"/>
+          </a:schemeClr>
+        </a:solidFill>
+        <a:round/>
+      </a:ln>
+    </cs:spPr>
+  </cs:seriesLine>
+  <cs:title>
+    <cs:lnRef idx="0"/>
+    <cs:fillRef idx="0"/>
+    <cs:effectRef idx="0"/>
+    <cs:fontRef idx="minor">
+      <a:schemeClr val="tx1">
+        <a:lumMod val="65000"/>
+        <a:lumOff val="35000"/>
+      </a:schemeClr>
+    </cs:fontRef>
+    <cs:defRPr sz="1862" b="0" kern="1200" spc="0" baseline="0"/>
+  </cs:title>
+  <cs:trendline>
+    <cs:lnRef idx="0">
+      <cs:styleClr val="auto"/>
+    </cs:lnRef>
+    <cs:fillRef idx="0"/>
+    <cs:effectRef idx="0"/>
+    <cs:fontRef idx="minor">
+      <a:schemeClr val="tx1"/>
+    </cs:fontRef>
+    <cs:spPr>
+      <a:ln w="19050" cap="rnd">
+        <a:solidFill>
+          <a:schemeClr val="phClr"/>
+        </a:solidFill>
+        <a:prstDash val="sysDot"/>
+      </a:ln>
+    </cs:spPr>
+  </cs:trendline>
+  <cs:trendlineLabel>
+    <cs:lnRef idx="0"/>
+    <cs:fillRef idx="0"/>
+    <cs:effectRef idx="0"/>
+    <cs:fontRef idx="minor">
+      <a:schemeClr val="tx1">
+        <a:lumMod val="65000"/>
+        <a:lumOff val="35000"/>
+      </a:schemeClr>
+    </cs:fontRef>
+    <cs:defRPr sz="1197" kern="1200"/>
+  </cs:trendlineLabel>
+  <cs:upBar>
+    <cs:lnRef idx="0"/>
+    <cs:fillRef idx="0"/>
+    <cs:effectRef idx="0"/>
+    <cs:fontRef idx="minor">
+      <a:schemeClr val="tx1"/>
+    </cs:fontRef>
+    <cs:spPr>
+      <a:solidFill>
+        <a:schemeClr val="lt1"/>
+      </a:solidFill>
+      <a:ln w="9525" cap="flat" cmpd="sng" algn="ctr">
+        <a:solidFill>
+          <a:schemeClr val="tx1">
+            <a:lumMod val="65000"/>
+            <a:lumOff val="35000"/>
+          </a:schemeClr>
+        </a:solidFill>
+        <a:round/>
+      </a:ln>
+    </cs:spPr>
+  </cs:upBar>
+  <cs:valueAxis>
+    <cs:lnRef idx="0"/>
+    <cs:fillRef idx="0"/>
+    <cs:effectRef idx="0"/>
+    <cs:fontRef idx="minor">
+      <a:schemeClr val="tx1">
+        <a:lumMod val="65000"/>
+        <a:lumOff val="35000"/>
+      </a:schemeClr>
+    </cs:fontRef>
+    <cs:spPr>
+      <a:ln w="9525" cap="flat" cmpd="sng" algn="ctr">
+        <a:solidFill>
+          <a:schemeClr val="tx1">
+            <a:lumMod val="25000"/>
+            <a:lumOff val="75000"/>
+          </a:schemeClr>
+        </a:solidFill>
+        <a:round/>
+      </a:ln>
+    </cs:spPr>
+    <cs:defRPr sz="1197" kern="1200"/>
+  </cs:valueAxis>
+  <cs:wall>
+    <cs:lnRef idx="0"/>
+    <cs:fillRef idx="0"/>
+    <cs:effectRef idx="0"/>
+    <cs:fontRef idx="minor">
+      <a:schemeClr val="tx1"/>
+    </cs:fontRef>
+    <cs:spPr>
+      <a:noFill/>
+      <a:ln>
+        <a:noFill/>
+      </a:ln>
+    </cs:spPr>
+  </cs:wall>
+</cs:chartStyle>
 </file>
 
 <file path=ppt/slideLayouts/slideLayout1.xml><?xml version="1.0" encoding="utf-8"?>
@@ -586,7 +1687,7 @@
           <a:p>
             <a:fld id="{EA0C0817-A112-4847-8014-A94B7D2A4EA3}" type="datetime1">
               <a:rPr lang="en-US" smtClean="0"/>
-              <a:t>4/17/2021</a:t>
+              <a:t>4/23/2021</a:t>
             </a:fld>
             <a:endParaRPr lang="en-US" dirty="0"/>
           </a:p>
@@ -788,7 +1889,7 @@
           <a:p>
             <a:fld id="{134F40B7-36AB-4376-BE14-EF7004D79BB9}" type="datetime1">
               <a:rPr lang="en-US" smtClean="0"/>
-              <a:t>4/17/2021</a:t>
+              <a:t>4/23/2021</a:t>
             </a:fld>
             <a:endParaRPr lang="en-US"/>
           </a:p>
@@ -968,7 +2069,7 @@
           <a:p>
             <a:fld id="{FF87CAB8-DCAE-46A5-AADA-B3FAD11A54E0}" type="datetime1">
               <a:rPr lang="en-US" smtClean="0"/>
-              <a:t>4/17/2021</a:t>
+              <a:t>4/23/2021</a:t>
             </a:fld>
             <a:endParaRPr lang="en-US"/>
           </a:p>
@@ -1138,7 +2239,7 @@
           <a:p>
             <a:fld id="{7332B432-ACDA-4023-A761-2BAB76577B62}" type="datetime1">
               <a:rPr lang="en-US" smtClean="0"/>
-              <a:t>4/17/2021</a:t>
+              <a:t>4/23/2021</a:t>
             </a:fld>
             <a:endParaRPr lang="en-US"/>
           </a:p>
@@ -1737,7 +2838,7 @@
           <a:p>
             <a:fld id="{D9C646AA-F36E-4540-911D-FFFC0A0EF24A}" type="datetime1">
               <a:rPr lang="en-US" smtClean="0"/>
-              <a:t>4/17/2021</a:t>
+              <a:t>4/23/2021</a:t>
             </a:fld>
             <a:endParaRPr lang="en-US" dirty="0"/>
           </a:p>
@@ -2057,7 +3158,7 @@
           <a:p>
             <a:fld id="{69186D26-FA5F-4637-B602-B7C2DC34CFD4}" type="datetime1">
               <a:rPr lang="en-US" smtClean="0"/>
-              <a:t>4/17/2021</a:t>
+              <a:t>4/23/2021</a:t>
             </a:fld>
             <a:endParaRPr lang="en-US"/>
           </a:p>
@@ -2492,7 +3593,7 @@
           <a:p>
             <a:fld id="{8A7F15D8-96D1-4781-BC50-CA8A088B2FE4}" type="datetime1">
               <a:rPr lang="en-US" smtClean="0"/>
-              <a:t>4/17/2021</a:t>
+              <a:t>4/23/2021</a:t>
             </a:fld>
             <a:endParaRPr lang="en-US"/>
           </a:p>
@@ -2610,7 +3711,7 @@
           <a:p>
             <a:fld id="{F9A96C99-B8F8-4528-BD05-0E16E943DC09}" type="datetime1">
               <a:rPr lang="en-US" smtClean="0"/>
-              <a:t>4/17/2021</a:t>
+              <a:t>4/23/2021</a:t>
             </a:fld>
             <a:endParaRPr lang="en-US"/>
           </a:p>
@@ -2705,7 +3806,7 @@
           <a:p>
             <a:fld id="{03636942-C211-4B28-8DBD-C953E00AF71B}" type="datetime1">
               <a:rPr lang="en-US" smtClean="0"/>
-              <a:t>4/17/2021</a:t>
+              <a:t>4/23/2021</a:t>
             </a:fld>
             <a:endParaRPr lang="en-US"/>
           </a:p>
@@ -3122,7 +4223,7 @@
           <a:p>
             <a:fld id="{7E8D12A6-918A-48BD-8CB9-CA713993B0EA}" type="datetime1">
               <a:rPr lang="en-US" smtClean="0"/>
-              <a:t>4/17/2021</a:t>
+              <a:t>4/23/2021</a:t>
             </a:fld>
             <a:endParaRPr lang="en-US"/>
           </a:p>
@@ -3384,7 +4485,7 @@
             <a:fld id="{E778CE86-875F-4587-BCF6-FA054AFC0D53}" type="datetime1">
               <a:rPr lang="en-US" smtClean="0"/>
               <a:pPr/>
-              <a:t>4/17/2021</a:t>
+              <a:t>4/23/2021</a:t>
             </a:fld>
             <a:endParaRPr lang="en-US" dirty="0"/>
           </a:p>
@@ -3900,7 +5001,7 @@
           <a:p>
             <a:fld id="{F6FA2B21-3FCD-4721-B95C-427943F61125}" type="datetime1">
               <a:rPr lang="en-US" smtClean="0"/>
-              <a:t>4/17/2021</a:t>
+              <a:t>4/23/2021</a:t>
             </a:fld>
             <a:endParaRPr lang="en-US"/>
           </a:p>
@@ -4561,7 +5662,11 @@
           </a:bodyPr>
           <a:lstStyle/>
           <a:p>
-            <a:endParaRPr lang="en-IN"/>
+            <a:r>
+              <a:rPr lang="en-US" dirty="0"/>
+              <a:t>GitHub : https://github.com/light2802/DSA-Project-zip</a:t>
+            </a:r>
+            <a:endParaRPr lang="en-IN" dirty="0"/>
           </a:p>
         </p:txBody>
       </p:sp>
@@ -4832,7 +5937,7 @@
           <p:cNvPr id="2" name="Title 1">
             <a:extLst>
               <a:ext uri="{FF2B5EF4-FFF2-40B4-BE49-F238E27FC236}">
-                <a16:creationId xmlns:a16="http://schemas.microsoft.com/office/drawing/2014/main" id="{9C7523D4-10C6-4B2E-AF60-62C907B4260D}"/>
+                <a16:creationId xmlns:a16="http://schemas.microsoft.com/office/drawing/2014/main" id="{D88F7D38-9B77-4FA8-9974-B6D149543B19}"/>
               </a:ext>
             </a:extLst>
           </p:cNvPr>
@@ -4849,8 +5954,8 @@
           <a:lstStyle/>
           <a:p>
             <a:r>
-              <a:rPr lang="en-US" dirty="0"/>
-              <a:t>Algorithms used currently</a:t>
+              <a:rPr lang="en-US"/>
+              <a:t>My Project</a:t>
             </a:r>
             <a:endParaRPr lang="en-IN" dirty="0"/>
           </a:p>
@@ -4861,7 +5966,7 @@
           <p:cNvPr id="3" name="Content Placeholder 2">
             <a:extLst>
               <a:ext uri="{FF2B5EF4-FFF2-40B4-BE49-F238E27FC236}">
-                <a16:creationId xmlns:a16="http://schemas.microsoft.com/office/drawing/2014/main" id="{AA99B848-BE33-4BA3-A619-F01096C20C37}"/>
+                <a16:creationId xmlns:a16="http://schemas.microsoft.com/office/drawing/2014/main" id="{62F6956C-B907-48F2-92DC-1CDC0E20D466}"/>
               </a:ext>
             </a:extLst>
           </p:cNvPr>
@@ -4878,99 +5983,47 @@
           <a:lstStyle/>
           <a:p>
             <a:r>
-              <a:rPr lang="en-IN" b="0" i="0" dirty="0">
-                <a:solidFill>
-                  <a:srgbClr val="222635"/>
-                </a:solidFill>
-                <a:effectLst/>
-                <a:latin typeface="Cambria" panose="02040503050406030204" pitchFamily="18" charset="0"/>
-              </a:rPr>
-              <a:t>Lempel-Ziv </a:t>
-            </a:r>
-            <a:r>
-              <a:rPr lang="en-IN" b="0" i="0" dirty="0">
-                <a:solidFill>
-                  <a:srgbClr val="222635"/>
-                </a:solidFill>
-                <a:effectLst/>
-                <a:highlight>
-                  <a:srgbClr val="FFFF00"/>
-                </a:highlight>
-                <a:latin typeface="Cambria" panose="02040503050406030204" pitchFamily="18" charset="0"/>
-              </a:rPr>
-              <a:t>Markov chain </a:t>
-            </a:r>
-            <a:r>
-              <a:rPr lang="en-IN" b="0" i="0" dirty="0">
-                <a:solidFill>
-                  <a:srgbClr val="222635"/>
-                </a:solidFill>
-                <a:effectLst/>
-                <a:latin typeface="Cambria" panose="02040503050406030204" pitchFamily="18" charset="0"/>
-              </a:rPr>
-              <a:t>Algorithm (.7z format)</a:t>
-            </a:r>
-          </a:p>
-          <a:p>
-            <a:r>
-              <a:rPr lang="en-IN" b="0" i="0" dirty="0">
-                <a:solidFill>
-                  <a:srgbClr val="222635"/>
-                </a:solidFill>
-                <a:effectLst/>
-                <a:latin typeface="Cambria" panose="02040503050406030204" pitchFamily="18" charset="0"/>
-              </a:rPr>
-              <a:t>Huffman coding </a:t>
-            </a:r>
-          </a:p>
-          <a:p>
-            <a:r>
-              <a:rPr lang="en-IN" b="0" i="0" dirty="0">
-                <a:solidFill>
-                  <a:srgbClr val="222635"/>
-                </a:solidFill>
-                <a:effectLst/>
-                <a:latin typeface="Cambria" panose="02040503050406030204" pitchFamily="18" charset="0"/>
-              </a:rPr>
-              <a:t>LZ77 (sliding window)</a:t>
-            </a:r>
-          </a:p>
-          <a:p>
-            <a:r>
-              <a:rPr lang="en-IN" dirty="0">
-                <a:solidFill>
-                  <a:srgbClr val="222635"/>
-                </a:solidFill>
-                <a:latin typeface="Cambria" panose="02040503050406030204" pitchFamily="18" charset="0"/>
-              </a:rPr>
-              <a:t>LZW Encoding (Uses dictionaries)</a:t>
-            </a:r>
-            <a:endParaRPr lang="en-IN" b="0" i="0" dirty="0">
-              <a:solidFill>
-                <a:srgbClr val="222635"/>
-              </a:solidFill>
-              <a:effectLst/>
-              <a:latin typeface="Cambria" panose="02040503050406030204" pitchFamily="18" charset="0"/>
-            </a:endParaRPr>
-          </a:p>
-          <a:p>
-            <a:r>
-              <a:rPr lang="en-IN" dirty="0">
-                <a:solidFill>
-                  <a:srgbClr val="222635"/>
-                </a:solidFill>
-                <a:latin typeface="Cambria" panose="02040503050406030204" pitchFamily="18" charset="0"/>
-              </a:rPr>
-              <a:t>Other modern algorithms based on deep learning such as Multi-Layer Perceptron (MLP) , Convolutional Neural Network (CNN) Based Compression</a:t>
-            </a:r>
-            <a:endParaRPr lang="en-IN" dirty="0"/>
+              <a:rPr lang="en-US" dirty="0"/>
+              <a:t>Lossless compression</a:t>
+            </a:r>
+          </a:p>
+          <a:p>
+            <a:r>
+              <a:rPr lang="en-US" dirty="0"/>
+              <a:t>Mainly static algorithms</a:t>
+            </a:r>
+          </a:p>
+          <a:p>
+            <a:r>
+              <a:rPr lang="en-US" dirty="0"/>
+              <a:t>Algorithms to be implemented</a:t>
+            </a:r>
+          </a:p>
+          <a:p>
+            <a:pPr marL="617220" lvl="1" indent="-342900">
+              <a:buFont typeface="+mj-lt"/>
+              <a:buAutoNum type="arabicPeriod"/>
+            </a:pPr>
+            <a:r>
+              <a:rPr lang="en-US" dirty="0"/>
+              <a:t>Huffman Coding (Based on Trees DS)</a:t>
+            </a:r>
+          </a:p>
+          <a:p>
+            <a:pPr marL="0" indent="0">
+              <a:buNone/>
+            </a:pPr>
+            <a:r>
+              <a:rPr lang="en-IN" dirty="0"/>
+              <a:t>Program will be able to compress/decompress files using Huffman encoding.</a:t>
+            </a:r>
           </a:p>
         </p:txBody>
       </p:sp>
     </p:spTree>
     <p:extLst>
       <p:ext uri="{BB962C8B-B14F-4D97-AF65-F5344CB8AC3E}">
-        <p14:creationId xmlns:p14="http://schemas.microsoft.com/office/powerpoint/2010/main" val="4118057184"/>
+        <p14:creationId xmlns:p14="http://schemas.microsoft.com/office/powerpoint/2010/main" val="3121311120"/>
       </p:ext>
     </p:extLst>
   </p:cSld>
@@ -5002,7 +6055,7 @@
           <p:cNvPr id="2" name="Title 1">
             <a:extLst>
               <a:ext uri="{FF2B5EF4-FFF2-40B4-BE49-F238E27FC236}">
-                <a16:creationId xmlns:a16="http://schemas.microsoft.com/office/drawing/2014/main" id="{D9BB9881-EF48-4F69-AA92-2EBFB4B5F3A6}"/>
+                <a16:creationId xmlns:a16="http://schemas.microsoft.com/office/drawing/2014/main" id="{FDD66B0E-A168-470E-B8D8-44F6DDA510CD}"/>
               </a:ext>
             </a:extLst>
           </p:cNvPr>
@@ -5018,6 +6071,7 @@
           <a:bodyPr/>
           <a:lstStyle/>
           <a:p>
+            <a:pPr algn="l"/>
             <a:r>
               <a:rPr lang="en-IN" b="1" i="0" dirty="0">
                 <a:solidFill>
@@ -5026,9 +6080,8 @@
                 <a:effectLst/>
                 <a:latin typeface="ReithSans"/>
               </a:rPr>
-              <a:t>Lossy compression</a:t>
-            </a:r>
-            <a:endParaRPr lang="en-IN" dirty="0"/>
+              <a:t>Lossless compression</a:t>
+            </a:r>
           </a:p>
         </p:txBody>
       </p:sp>
@@ -5037,7 +6090,7 @@
           <p:cNvPr id="3" name="Content Placeholder 2">
             <a:extLst>
               <a:ext uri="{FF2B5EF4-FFF2-40B4-BE49-F238E27FC236}">
-                <a16:creationId xmlns:a16="http://schemas.microsoft.com/office/drawing/2014/main" id="{39C2ABE4-CCD4-4217-8AC0-55C008DDEC70}"/>
+                <a16:creationId xmlns:a16="http://schemas.microsoft.com/office/drawing/2014/main" id="{A8EC2620-C9FE-46DA-9F0B-D84D0F4EE9C0}"/>
               </a:ext>
             </a:extLst>
           </p:cNvPr>
@@ -5062,7 +6115,7 @@
                 <a:effectLst/>
                 <a:latin typeface="ReithSans"/>
               </a:rPr>
-              <a:t>Lossy compression removes some of a file’s original data in order to reduce the file size. This might mean reducing the numbers of colours in an image or reducing the number of samples in a sound file. This can result in a small loss of quality of an image or sound file.</a:t>
+              <a:t>Lossless compression doesn’t reduce the quality of the file at all. No data is lost, so lossless compression allows a file to be recreated exactly as it was when originally created.</a:t>
             </a:r>
           </a:p>
           <a:p>
@@ -5075,7 +6128,7 @@
                 <a:effectLst/>
                 <a:latin typeface="ReithSans"/>
               </a:rPr>
-              <a:t>A popular lossy compression method for images is the</a:t>
+              <a:t>There are various algorithms for doing this, usually by looking for patterns in the data that are repeated. </a:t>
             </a:r>
             <a:r>
               <a:rPr lang="en-IN" i="0" dirty="0">
@@ -5085,7 +6138,7 @@
                 <a:effectLst/>
                 <a:latin typeface="ReithSans"/>
               </a:rPr>
-              <a:t> JPEG</a:t>
+              <a:t>Zip</a:t>
             </a:r>
             <a:r>
               <a:rPr lang="en-IN" b="0" i="0" dirty="0">
@@ -5095,17 +6148,20 @@
                 <a:effectLst/>
                 <a:latin typeface="ReithSans"/>
               </a:rPr>
-              <a:t>, which is why most images on the internet are JPEG images. A popular lossy compression method for sounds is </a:t>
-            </a:r>
-            <a:r>
-              <a:rPr lang="en-IN" i="0" dirty="0">
+              <a:t> files are an example of lossless compression.</a:t>
+            </a:r>
+          </a:p>
+          <a:p>
+            <a:pPr algn="l"/>
+            <a:r>
+              <a:rPr lang="en-IN" b="0" i="0" dirty="0">
                 <a:solidFill>
                   <a:srgbClr val="231F20"/>
                 </a:solidFill>
                 <a:effectLst/>
                 <a:latin typeface="ReithSans"/>
               </a:rPr>
-              <a:t>MP3. Once a file has been compressed using lossy compression, the discarded data cannot be retrieved again.</a:t>
+              <a:t>The space savings of lossless compression are not as good as they are with lossy compression.</a:t>
             </a:r>
           </a:p>
           <a:p>
@@ -5116,7 +6172,7 @@
     </p:spTree>
     <p:extLst>
       <p:ext uri="{BB962C8B-B14F-4D97-AF65-F5344CB8AC3E}">
-        <p14:creationId xmlns:p14="http://schemas.microsoft.com/office/powerpoint/2010/main" val="2448136384"/>
+        <p14:creationId xmlns:p14="http://schemas.microsoft.com/office/powerpoint/2010/main" val="483442089"/>
       </p:ext>
     </p:extLst>
   </p:cSld>
@@ -5129,6 +6185,14 @@
 <file path=ppt/slides/slide4.xml><?xml version="1.0" encoding="utf-8"?>
 <p:sld xmlns:a="http://schemas.openxmlformats.org/drawingml/2006/main" xmlns:r="http://schemas.openxmlformats.org/officeDocument/2006/relationships" xmlns:p="http://schemas.openxmlformats.org/presentationml/2006/main">
   <p:cSld>
+    <p:bg>
+      <p:bgPr>
+        <a:solidFill>
+          <a:schemeClr val="bg1"/>
+        </a:solidFill>
+        <a:effectLst/>
+      </p:bgPr>
+    </p:bg>
     <p:spTree>
       <p:nvGrpSpPr>
         <p:cNvPr id="1" name=""/>
@@ -5143,129 +6207,200 @@
           <a:chExt cx="0" cy="0"/>
         </a:xfrm>
       </p:grpSpPr>
-      <p:sp>
-        <p:nvSpPr>
-          <p:cNvPr id="2" name="Title 1">
+      <p:sp useBgFill="1">
+        <p:nvSpPr>
+          <p:cNvPr id="59" name="Rectangle 58">
             <a:extLst>
               <a:ext uri="{FF2B5EF4-FFF2-40B4-BE49-F238E27FC236}">
-                <a16:creationId xmlns:a16="http://schemas.microsoft.com/office/drawing/2014/main" id="{FDD66B0E-A168-470E-B8D8-44F6DDA510CD}"/>
+                <a16:creationId xmlns:a16="http://schemas.microsoft.com/office/drawing/2014/main" id="{1E94681D-2A4C-4A8D-B9B5-31D440D0328D}"/>
+              </a:ext>
+              <a:ext uri="{C183D7F6-B498-43B3-948B-1728B52AA6E4}">
+                <adec:decorative xmlns:adec="http://schemas.microsoft.com/office/drawing/2017/decorative" val="1"/>
               </a:ext>
             </a:extLst>
           </p:cNvPr>
           <p:cNvSpPr>
-            <a:spLocks noGrp="1"/>
-          </p:cNvSpPr>
-          <p:nvPr>
-            <p:ph type="title"/>
-          </p:nvPr>
-        </p:nvSpPr>
-        <p:spPr/>
-        <p:txBody>
-          <a:bodyPr/>
+            <a:spLocks noGrp="1" noRot="1" noChangeAspect="1" noMove="1" noResize="1" noEditPoints="1" noAdjustHandles="1" noChangeArrowheads="1" noChangeShapeType="1" noTextEdit="1"/>
+          </p:cNvSpPr>
+          <p:nvPr>
+            <p:extLst>
+              <p:ext uri="{386F3935-93C4-4BCD-93E2-E3B085C9AB24}">
+                <p16:designElem xmlns:p16="http://schemas.microsoft.com/office/powerpoint/2015/main" val="1"/>
+              </p:ext>
+            </p:extLst>
+          </p:nvPr>
+        </p:nvSpPr>
+        <p:spPr>
+          <a:xfrm>
+            <a:off x="0" y="0"/>
+            <a:ext cx="12192000" cy="6858000"/>
+          </a:xfrm>
+          <a:prstGeom prst="rect">
+            <a:avLst/>
+          </a:prstGeom>
+          <a:ln>
+            <a:noFill/>
+          </a:ln>
+        </p:spPr>
+        <p:style>
+          <a:lnRef idx="2">
+            <a:schemeClr val="accent1">
+              <a:shade val="50000"/>
+            </a:schemeClr>
+          </a:lnRef>
+          <a:fillRef idx="1">
+            <a:schemeClr val="accent1"/>
+          </a:fillRef>
+          <a:effectRef idx="0">
+            <a:schemeClr val="accent1"/>
+          </a:effectRef>
+          <a:fontRef idx="minor">
+            <a:schemeClr val="lt1"/>
+          </a:fontRef>
+        </p:style>
+        <p:txBody>
+          <a:bodyPr rtlCol="0" anchor="ctr"/>
           <a:lstStyle/>
           <a:p>
-            <a:pPr algn="l"/>
-            <a:r>
-              <a:rPr lang="en-IN" b="1" i="0" dirty="0">
-                <a:solidFill>
-                  <a:srgbClr val="231F20"/>
-                </a:solidFill>
-                <a:effectLst/>
-                <a:latin typeface="ReithSans"/>
-              </a:rPr>
-              <a:t>Lossless compression</a:t>
-            </a:r>
-          </a:p>
-        </p:txBody>
-      </p:sp>
-      <p:sp>
-        <p:nvSpPr>
-          <p:cNvPr id="3" name="Content Placeholder 2">
+            <a:pPr algn="ctr"/>
+            <a:endParaRPr lang="en-US"/>
+          </a:p>
+        </p:txBody>
+      </p:sp>
+      <p:sp>
+        <p:nvSpPr>
+          <p:cNvPr id="61" name="Rectangle 60">
             <a:extLst>
               <a:ext uri="{FF2B5EF4-FFF2-40B4-BE49-F238E27FC236}">
-                <a16:creationId xmlns:a16="http://schemas.microsoft.com/office/drawing/2014/main" id="{A8EC2620-C9FE-46DA-9F0B-D84D0F4EE9C0}"/>
+                <a16:creationId xmlns:a16="http://schemas.microsoft.com/office/drawing/2014/main" id="{4EC7E010-C712-408D-9787-0842AFC9F4BB}"/>
+              </a:ext>
+              <a:ext uri="{C183D7F6-B498-43B3-948B-1728B52AA6E4}">
+                <adec:decorative xmlns:adec="http://schemas.microsoft.com/office/drawing/2017/decorative" val="1"/>
               </a:ext>
             </a:extLst>
           </p:cNvPr>
           <p:cNvSpPr>
-            <a:spLocks noGrp="1"/>
-          </p:cNvSpPr>
-          <p:nvPr>
-            <p:ph idx="1"/>
-          </p:nvPr>
-        </p:nvSpPr>
-        <p:spPr/>
-        <p:txBody>
-          <a:bodyPr/>
-          <a:lstStyle/>
-          <a:p>
-            <a:pPr algn="l"/>
-            <a:r>
-              <a:rPr lang="en-IN" b="0" i="0" dirty="0">
-                <a:solidFill>
-                  <a:srgbClr val="231F20"/>
-                </a:solidFill>
-                <a:effectLst/>
-                <a:latin typeface="ReithSans"/>
-              </a:rPr>
-              <a:t>Lossless compression doesn’t reduce the quality of the file at all. No data is lost, so lossless compression allows a file to be recreated exactly as it was when originally created.</a:t>
-            </a:r>
-          </a:p>
-          <a:p>
-            <a:pPr algn="l"/>
-            <a:r>
-              <a:rPr lang="en-IN" b="0" i="0" dirty="0">
-                <a:solidFill>
-                  <a:srgbClr val="231F20"/>
-                </a:solidFill>
-                <a:effectLst/>
-                <a:latin typeface="ReithSans"/>
-              </a:rPr>
-              <a:t>There are various algorithms for doing this, usually by looking for patterns in the data that are repeated. </a:t>
-            </a:r>
-            <a:r>
-              <a:rPr lang="en-IN" i="0" dirty="0">
-                <a:solidFill>
-                  <a:srgbClr val="231F20"/>
-                </a:solidFill>
-                <a:effectLst/>
-                <a:latin typeface="ReithSans"/>
-              </a:rPr>
-              <a:t>Zip</a:t>
-            </a:r>
-            <a:r>
-              <a:rPr lang="en-IN" b="0" i="0" dirty="0">
-                <a:solidFill>
-                  <a:srgbClr val="231F20"/>
-                </a:solidFill>
-                <a:effectLst/>
-                <a:latin typeface="ReithSans"/>
-              </a:rPr>
-              <a:t> files are an example of lossless compression.</a:t>
-            </a:r>
-          </a:p>
-          <a:p>
-            <a:pPr algn="l"/>
-            <a:r>
-              <a:rPr lang="en-IN" b="0" i="0" dirty="0">
-                <a:solidFill>
-                  <a:srgbClr val="231F20"/>
-                </a:solidFill>
-                <a:effectLst/>
-                <a:latin typeface="ReithSans"/>
-              </a:rPr>
-              <a:t>The space savings of lossless compression are not as good as they are with lossy compression.</a:t>
-            </a:r>
-          </a:p>
-          <a:p>
-            <a:endParaRPr lang="en-IN" dirty="0"/>
-          </a:p>
-        </p:txBody>
-      </p:sp>
+            <a:spLocks noGrp="1" noRot="1" noChangeAspect="1" noMove="1" noResize="1" noEditPoints="1" noAdjustHandles="1" noChangeArrowheads="1" noChangeShapeType="1" noTextEdit="1"/>
+          </p:cNvSpPr>
+          <p:nvPr>
+            <p:extLst>
+              <p:ext uri="{386F3935-93C4-4BCD-93E2-E3B085C9AB24}">
+                <p16:designElem xmlns:p16="http://schemas.microsoft.com/office/powerpoint/2015/main" val="1"/>
+              </p:ext>
+            </p:extLst>
+          </p:nvPr>
+        </p:nvSpPr>
+        <p:spPr>
+          <a:xfrm>
+            <a:off x="234696" y="237744"/>
+            <a:ext cx="11722608" cy="6382512"/>
+          </a:xfrm>
+          <a:prstGeom prst="rect">
+            <a:avLst/>
+          </a:prstGeom>
+          <a:solidFill>
+            <a:schemeClr val="bg1">
+              <a:lumMod val="75000"/>
+              <a:alpha val="60000"/>
+            </a:schemeClr>
+          </a:solidFill>
+          <a:ln w="6350" cap="flat" cmpd="sng" algn="ctr">
+            <a:noFill/>
+            <a:prstDash val="solid"/>
+          </a:ln>
+          <a:effectLst>
+            <a:softEdge rad="0"/>
+          </a:effectLst>
+        </p:spPr>
+      </p:sp>
+      <p:sp>
+        <p:nvSpPr>
+          <p:cNvPr id="63" name="Rectangle 62">
+            <a:extLst>
+              <a:ext uri="{FF2B5EF4-FFF2-40B4-BE49-F238E27FC236}">
+                <a16:creationId xmlns:a16="http://schemas.microsoft.com/office/drawing/2014/main" id="{0503FCEF-A9BA-4991-9220-E36615FB8B53}"/>
+              </a:ext>
+              <a:ext uri="{C183D7F6-B498-43B3-948B-1728B52AA6E4}">
+                <adec:decorative xmlns:adec="http://schemas.microsoft.com/office/drawing/2017/decorative" val="1"/>
+              </a:ext>
+            </a:extLst>
+          </p:cNvPr>
+          <p:cNvSpPr>
+            <a:spLocks noGrp="1" noRot="1" noChangeAspect="1" noMove="1" noResize="1" noEditPoints="1" noAdjustHandles="1" noChangeArrowheads="1" noChangeShapeType="1" noTextEdit="1"/>
+          </p:cNvSpPr>
+          <p:nvPr>
+            <p:extLst>
+              <p:ext uri="{386F3935-93C4-4BCD-93E2-E3B085C9AB24}">
+                <p16:designElem xmlns:p16="http://schemas.microsoft.com/office/powerpoint/2015/main" val="1"/>
+              </p:ext>
+            </p:extLst>
+          </p:nvPr>
+        </p:nvSpPr>
+        <p:spPr>
+          <a:xfrm>
+            <a:off x="371856" y="374904"/>
+            <a:ext cx="11448288" cy="6108192"/>
+          </a:xfrm>
+          <a:prstGeom prst="rect">
+            <a:avLst/>
+          </a:prstGeom>
+          <a:noFill/>
+          <a:ln w="6350" cap="sq" cmpd="sng" algn="ctr">
+            <a:solidFill>
+              <a:schemeClr val="tx1">
+                <a:lumMod val="85000"/>
+                <a:lumOff val="15000"/>
+              </a:schemeClr>
+            </a:solidFill>
+            <a:prstDash val="solid"/>
+            <a:miter lim="800000"/>
+          </a:ln>
+          <a:effectLst/>
+        </p:spPr>
+      </p:sp>
+      <p:pic>
+        <p:nvPicPr>
+          <p:cNvPr id="4" name="Graphic 3">
+            <a:extLst>
+              <a:ext uri="{FF2B5EF4-FFF2-40B4-BE49-F238E27FC236}">
+                <a16:creationId xmlns:a16="http://schemas.microsoft.com/office/drawing/2014/main" id="{340E6A50-9C50-42F4-9862-C7079D765E08}"/>
+              </a:ext>
+            </a:extLst>
+          </p:cNvPr>
+          <p:cNvPicPr>
+            <a:picLocks noChangeAspect="1"/>
+          </p:cNvPicPr>
+          <p:nvPr/>
+        </p:nvPicPr>
+        <p:blipFill>
+          <a:blip r:embed="rId2">
+            <a:extLst>
+              <a:ext uri="{28A0092B-C50C-407E-A947-70E740481C1C}">
+                <a14:useLocalDpi xmlns:a14="http://schemas.microsoft.com/office/drawing/2010/main" val="0"/>
+              </a:ext>
+              <a:ext uri="{96DAC541-7B7A-43D3-8B79-37D633B846F1}">
+                <asvg:svgBlip xmlns:asvg="http://schemas.microsoft.com/office/drawing/2016/SVG/main" r:embed="rId3"/>
+              </a:ext>
+            </a:extLst>
+          </a:blip>
+          <a:stretch>
+            <a:fillRect/>
+          </a:stretch>
+        </p:blipFill>
+        <p:spPr>
+          <a:xfrm>
+            <a:off x="1757252" y="643467"/>
+            <a:ext cx="8677495" cy="5571066"/>
+          </a:xfrm>
+          <a:prstGeom prst="rect">
+            <a:avLst/>
+          </a:prstGeom>
+        </p:spPr>
+      </p:pic>
     </p:spTree>
     <p:extLst>
       <p:ext uri="{BB962C8B-B14F-4D97-AF65-F5344CB8AC3E}">
-        <p14:creationId xmlns:p14="http://schemas.microsoft.com/office/powerpoint/2010/main" val="483442089"/>
+        <p14:creationId xmlns:p14="http://schemas.microsoft.com/office/powerpoint/2010/main" val="403136407"/>
       </p:ext>
     </p:extLst>
   </p:cSld>
@@ -5292,195 +6427,41 @@
           <a:chExt cx="0" cy="0"/>
         </a:xfrm>
       </p:grpSpPr>
-      <p:sp>
-        <p:nvSpPr>
-          <p:cNvPr id="2" name="Title 1">
+      <p:graphicFrame>
+        <p:nvGraphicFramePr>
+          <p:cNvPr id="9" name="Content Placeholder 8">
             <a:extLst>
               <a:ext uri="{FF2B5EF4-FFF2-40B4-BE49-F238E27FC236}">
-                <a16:creationId xmlns:a16="http://schemas.microsoft.com/office/drawing/2014/main" id="{D88F7D38-9B77-4FA8-9974-B6D149543B19}"/>
+                <a16:creationId xmlns:a16="http://schemas.microsoft.com/office/drawing/2014/main" id="{4F4D5CD0-8908-4053-ACFB-F759D65A48CE}"/>
               </a:ext>
             </a:extLst>
           </p:cNvPr>
-          <p:cNvSpPr>
-            <a:spLocks noGrp="1"/>
-          </p:cNvSpPr>
-          <p:nvPr>
-            <p:ph type="title"/>
-          </p:nvPr>
-        </p:nvSpPr>
-        <p:spPr/>
-        <p:txBody>
-          <a:bodyPr/>
-          <a:lstStyle/>
-          <a:p>
-            <a:r>
-              <a:rPr lang="en-US"/>
-              <a:t>My Project</a:t>
-            </a:r>
-            <a:endParaRPr lang="en-IN" dirty="0"/>
-          </a:p>
-        </p:txBody>
-      </p:sp>
-      <p:sp>
-        <p:nvSpPr>
-          <p:cNvPr id="3" name="Content Placeholder 2">
-            <a:extLst>
-              <a:ext uri="{FF2B5EF4-FFF2-40B4-BE49-F238E27FC236}">
-                <a16:creationId xmlns:a16="http://schemas.microsoft.com/office/drawing/2014/main" id="{62F6956C-B907-48F2-92DC-1CDC0E20D466}"/>
-              </a:ext>
-            </a:extLst>
-          </p:cNvPr>
-          <p:cNvSpPr>
-            <a:spLocks noGrp="1"/>
-          </p:cNvSpPr>
+          <p:cNvGraphicFramePr>
+            <a:graphicFrameLocks noGrp="1"/>
+          </p:cNvGraphicFramePr>
           <p:nvPr>
             <p:ph idx="1"/>
-          </p:nvPr>
-        </p:nvSpPr>
-        <p:spPr/>
-        <p:txBody>
-          <a:bodyPr/>
-          <a:lstStyle/>
-          <a:p>
-            <a:r>
-              <a:rPr lang="en-US" dirty="0"/>
-              <a:t>Lossless compression</a:t>
-            </a:r>
-          </a:p>
-          <a:p>
-            <a:r>
-              <a:rPr lang="en-US" dirty="0"/>
-              <a:t>Mainly static algorithms</a:t>
-            </a:r>
-          </a:p>
-          <a:p>
-            <a:r>
-              <a:rPr lang="en-US" dirty="0"/>
-              <a:t>Algorithms to be implemented</a:t>
-            </a:r>
-          </a:p>
-          <a:p>
-            <a:pPr marL="617220" lvl="1" indent="-342900">
-              <a:buFont typeface="+mj-lt"/>
-              <a:buAutoNum type="arabicPeriod"/>
-            </a:pPr>
-            <a:r>
-              <a:rPr lang="en-US" dirty="0"/>
-              <a:t>Huffman Coding (Based on Trees DS)</a:t>
-            </a:r>
-          </a:p>
-          <a:p>
-            <a:pPr marL="617220" lvl="1" indent="-342900">
-              <a:buFont typeface="+mj-lt"/>
-              <a:buAutoNum type="arabicPeriod"/>
-            </a:pPr>
-            <a:r>
-              <a:rPr lang="en-IN" dirty="0"/>
-              <a:t>LZW Encoding (Uses dictionaries)	[Couldn’t implement this </a:t>
-            </a:r>
-            <a:r>
-              <a:rPr lang="en-IN" dirty="0">
-                <a:sym typeface="Wingdings" panose="05000000000000000000" pitchFamily="2" charset="2"/>
-              </a:rPr>
-              <a:t></a:t>
-            </a:r>
-            <a:r>
-              <a:rPr lang="en-IN" dirty="0"/>
-              <a:t>]</a:t>
-            </a:r>
-          </a:p>
-          <a:p>
-            <a:r>
-              <a:rPr lang="en-IN" dirty="0"/>
-              <a:t>Program will be able to compress/decompress files, if user wants can give password while compression for security		[</a:t>
-            </a:r>
-            <a:r>
-              <a:rPr lang="en-IN"/>
-              <a:t>Or this </a:t>
-            </a:r>
-            <a:r>
-              <a:rPr lang="en-IN">
-                <a:sym typeface="Wingdings" panose="05000000000000000000" pitchFamily="2" charset="2"/>
-              </a:rPr>
-              <a:t>]</a:t>
-            </a:r>
-            <a:endParaRPr lang="en-IN" dirty="0"/>
-          </a:p>
-          <a:p>
-            <a:r>
-              <a:rPr lang="en-IN" dirty="0"/>
-              <a:t>Also planning to compare the two algorithms based on efficiency and time required for compression/decompression</a:t>
-            </a:r>
-          </a:p>
-        </p:txBody>
-      </p:sp>
+            <p:extLst>
+              <p:ext uri="{D42A27DB-BD31-4B8C-83A1-F6EECF244321}">
+                <p14:modId xmlns:p14="http://schemas.microsoft.com/office/powerpoint/2010/main" val="1547236989"/>
+              </p:ext>
+            </p:extLst>
+          </p:nvPr>
+        </p:nvGraphicFramePr>
+        <p:xfrm>
+          <a:off x="488273" y="1278385"/>
+          <a:ext cx="10601417" cy="5305055"/>
+        </p:xfrm>
+        <a:graphic>
+          <a:graphicData uri="http://schemas.openxmlformats.org/drawingml/2006/chart">
+            <c:chart xmlns:c="http://schemas.openxmlformats.org/drawingml/2006/chart" xmlns:r="http://schemas.openxmlformats.org/officeDocument/2006/relationships" r:id="rId2"/>
+          </a:graphicData>
+        </a:graphic>
+      </p:graphicFrame>
     </p:spTree>
     <p:extLst>
       <p:ext uri="{BB962C8B-B14F-4D97-AF65-F5344CB8AC3E}">
-        <p14:creationId xmlns:p14="http://schemas.microsoft.com/office/powerpoint/2010/main" val="3121311120"/>
-      </p:ext>
-    </p:extLst>
-  </p:cSld>
-  <p:clrMapOvr>
-    <a:masterClrMapping/>
-  </p:clrMapOvr>
-</p:sld>
-</file>
-
-<file path=ppt/slides/slide6.xml><?xml version="1.0" encoding="utf-8"?>
-<p:sld xmlns:a="http://schemas.openxmlformats.org/drawingml/2006/main" xmlns:r="http://schemas.openxmlformats.org/officeDocument/2006/relationships" xmlns:p="http://schemas.openxmlformats.org/presentationml/2006/main">
-  <p:cSld>
-    <p:spTree>
-      <p:nvGrpSpPr>
-        <p:cNvPr id="1" name=""/>
-        <p:cNvGrpSpPr/>
-        <p:nvPr/>
-      </p:nvGrpSpPr>
-      <p:grpSpPr>
-        <a:xfrm>
-          <a:off x="0" y="0"/>
-          <a:ext cx="0" cy="0"/>
-          <a:chOff x="0" y="0"/>
-          <a:chExt cx="0" cy="0"/>
-        </a:xfrm>
-      </p:grpSpPr>
-      <p:sp>
-        <p:nvSpPr>
-          <p:cNvPr id="2" name="Title 1">
-            <a:extLst>
-              <a:ext uri="{FF2B5EF4-FFF2-40B4-BE49-F238E27FC236}">
-                <a16:creationId xmlns:a16="http://schemas.microsoft.com/office/drawing/2014/main" id="{BD71EBB7-3E8C-4B2F-9F2F-63585F91FEBC}"/>
-              </a:ext>
-            </a:extLst>
-          </p:cNvPr>
-          <p:cNvSpPr>
-            <a:spLocks noGrp="1"/>
-          </p:cNvSpPr>
-          <p:nvPr>
-            <p:ph type="title"/>
-          </p:nvPr>
-        </p:nvSpPr>
-        <p:spPr>
-          <a:xfrm>
-            <a:off x="1066800" y="2743200"/>
-            <a:ext cx="10058400" cy="1371600"/>
-          </a:xfrm>
-        </p:spPr>
-        <p:txBody>
-          <a:bodyPr/>
-          <a:lstStyle/>
-          <a:p>
-            <a:r>
-              <a:rPr lang="en-IN" dirty="0"/>
-              <a:t>Move to show flow of code and explaining actual code and execution</a:t>
-            </a:r>
-          </a:p>
-        </p:txBody>
-      </p:sp>
-    </p:spTree>
-    <p:extLst>
-      <p:ext uri="{BB962C8B-B14F-4D97-AF65-F5344CB8AC3E}">
-        <p14:creationId xmlns:p14="http://schemas.microsoft.com/office/powerpoint/2010/main" val="403136407"/>
+        <p14:creationId xmlns:p14="http://schemas.microsoft.com/office/powerpoint/2010/main" val="4006012964"/>
       </p:ext>
     </p:extLst>
   </p:cSld>

--- a/Project PPt.pptx
+++ b/Project PPt.pptx
@@ -5996,18 +5996,47 @@
           <a:p>
             <a:r>
               <a:rPr lang="en-US" dirty="0"/>
-              <a:t>Algorithms to be implemented</a:t>
-            </a:r>
-          </a:p>
-          <a:p>
-            <a:pPr marL="617220" lvl="1" indent="-342900">
+              <a:t>Algorithms implemented Huffman Coding (Based on Trees DS)</a:t>
+            </a:r>
+          </a:p>
+          <a:p>
+            <a:r>
+              <a:rPr lang="en-US" dirty="0"/>
+              <a:t>Parameters (-e, -d) </a:t>
+            </a:r>
+            <a:r>
+              <a:rPr lang="en-US"/>
+              <a:t>for encoding/</a:t>
+            </a:r>
+            <a:r>
+              <a:rPr lang="en-US" dirty="0"/>
+              <a:t>decoding respectively</a:t>
+            </a:r>
+          </a:p>
+          <a:p>
+            <a:r>
+              <a:rPr lang="en-US" dirty="0"/>
+              <a:t>Compress any file type</a:t>
+            </a:r>
+          </a:p>
+          <a:p>
+            <a:r>
+              <a:rPr lang="en-US" dirty="0"/>
+              <a:t>Better results if file size more than 2mb</a:t>
+            </a:r>
+          </a:p>
+          <a:p>
+            <a:r>
+              <a:rPr lang="en-US" dirty="0"/>
+              <a:t>Can make a tree for at most 256 different char in the file</a:t>
+            </a:r>
+          </a:p>
+          <a:p>
+            <a:pPr marL="891540" lvl="2" indent="-342900">
               <a:buFont typeface="+mj-lt"/>
               <a:buAutoNum type="arabicPeriod"/>
             </a:pPr>
-            <a:r>
-              <a:rPr lang="en-US" dirty="0"/>
-              <a:t>Huffman Coding (Based on Trees DS)</a:t>
-            </a:r>
+            <a:endParaRPr lang="en-US" dirty="0"/>
           </a:p>
           <a:p>
             <a:pPr marL="0" indent="0">
